--- a/Learning-Defensive-programming.pptx
+++ b/Learning-Defensive-programming.pptx
@@ -6,6 +6,14 @@
   </p:sldMasterIdLst>
   <p:sldIdLst>
     <p:sldId id="256" r:id="rId2"/>
+    <p:sldId id="258" r:id="rId3"/>
+    <p:sldId id="257" r:id="rId4"/>
+    <p:sldId id="259" r:id="rId5"/>
+    <p:sldId id="260" r:id="rId6"/>
+    <p:sldId id="261" r:id="rId7"/>
+    <p:sldId id="262" r:id="rId8"/>
+    <p:sldId id="263" r:id="rId9"/>
+    <p:sldId id="264" r:id="rId10"/>
   </p:sldIdLst>
   <p:sldSz cx="9144000" cy="6858000" type="screen4x3"/>
   <p:notesSz cx="6858000" cy="9144000"/>
@@ -5024,7 +5032,61 @@
           <a:bodyPr/>
           <a:lstStyle/>
           <a:p>
-            <a:endParaRPr lang="zh-TW" altLang="en-US"/>
+            <a:r>
+              <a:rPr lang="zh-TW" altLang="en-US" dirty="0">
+                <a:latin typeface="微軟正黑體" pitchFamily="34" charset="-120"/>
+                <a:ea typeface="微軟正黑體" pitchFamily="34" charset="-120"/>
+              </a:rPr>
+              <a:t>寫出健壯的 </a:t>
+            </a:r>
+            <a:r>
+              <a:rPr lang="en-US" altLang="zh-TW" dirty="0">
+                <a:latin typeface="微軟正黑體" pitchFamily="34" charset="-120"/>
+                <a:ea typeface="微軟正黑體" pitchFamily="34" charset="-120"/>
+              </a:rPr>
+              <a:t>PHP </a:t>
+            </a:r>
+            <a:r>
+              <a:rPr lang="zh-TW" altLang="en-US" dirty="0" smtClean="0">
+                <a:latin typeface="微軟正黑體" pitchFamily="34" charset="-120"/>
+                <a:ea typeface="微軟正黑體" pitchFamily="34" charset="-120"/>
+              </a:rPr>
+              <a:t>應用程式</a:t>
+            </a:r>
+            <a:r>
+              <a:rPr lang="en-US" altLang="zh-TW" dirty="0" smtClean="0">
+                <a:latin typeface="微軟正黑體" pitchFamily="34" charset="-120"/>
+                <a:ea typeface="微軟正黑體" pitchFamily="34" charset="-120"/>
+              </a:rPr>
+              <a:t/>
+            </a:r>
+            <a:br>
+              <a:rPr lang="en-US" altLang="zh-TW" dirty="0" smtClean="0">
+                <a:latin typeface="微軟正黑體" pitchFamily="34" charset="-120"/>
+                <a:ea typeface="微軟正黑體" pitchFamily="34" charset="-120"/>
+              </a:rPr>
+            </a:br>
+            <a:r>
+              <a:rPr lang="en-US" altLang="zh-TW" dirty="0">
+                <a:latin typeface="微軟正黑體" pitchFamily="34" charset="-120"/>
+                <a:ea typeface="微軟正黑體" pitchFamily="34" charset="-120"/>
+              </a:rPr>
+              <a:t>-</a:t>
+            </a:r>
+            <a:r>
+              <a:rPr lang="zh-TW" altLang="en-US" dirty="0" smtClean="0">
+                <a:latin typeface="微軟正黑體" pitchFamily="34" charset="-120"/>
+                <a:ea typeface="微軟正黑體" pitchFamily="34" charset="-120"/>
+              </a:rPr>
+              <a:t>防禦性程式寫法</a:t>
+            </a:r>
+            <a:br>
+              <a:rPr lang="zh-TW" altLang="en-US" dirty="0" smtClean="0">
+                <a:latin typeface="微軟正黑體" pitchFamily="34" charset="-120"/>
+                <a:ea typeface="微軟正黑體" pitchFamily="34" charset="-120"/>
+              </a:rPr>
+            </a:br>
+            <a:endParaRPr lang="zh-TW" altLang="en-US" dirty="0"/>
           </a:p>
         </p:txBody>
       </p:sp>
@@ -5043,7 +5105,15 @@
           <a:bodyPr/>
           <a:lstStyle/>
           <a:p>
-            <a:endParaRPr lang="zh-TW" altLang="en-US"/>
+            <a:r>
+              <a:rPr lang="zh-TW" altLang="en-US" dirty="0"/>
+              <a:t>訓練發展部</a:t>
+            </a:r>
+            <a:r>
+              <a:rPr lang="en-US" altLang="zh-TW" dirty="0"/>
+              <a:t>-Sera Chen</a:t>
+            </a:r>
+            <a:endParaRPr lang="zh-TW" altLang="en-US" dirty="0"/>
           </a:p>
         </p:txBody>
       </p:sp>
@@ -5064,6 +5134,867 @@
       </p:par>
     </p:tnLst>
   </p:timing>
+</p:sld>
+</file>
+
+<file path=ppt/slides/slide2.xml><?xml version="1.0" encoding="utf-8"?>
+<p:sld xmlns:a="http://schemas.openxmlformats.org/drawingml/2006/main" xmlns:r="http://schemas.openxmlformats.org/officeDocument/2006/relationships" xmlns:p="http://schemas.openxmlformats.org/presentationml/2006/main">
+  <p:cSld>
+    <p:spTree>
+      <p:nvGrpSpPr>
+        <p:cNvPr id="1" name=""/>
+        <p:cNvGrpSpPr/>
+        <p:nvPr/>
+      </p:nvGrpSpPr>
+      <p:grpSpPr>
+        <a:xfrm>
+          <a:off x="0" y="0"/>
+          <a:ext cx="0" cy="0"/>
+          <a:chOff x="0" y="0"/>
+          <a:chExt cx="0" cy="0"/>
+        </a:xfrm>
+      </p:grpSpPr>
+      <p:sp>
+        <p:nvSpPr>
+          <p:cNvPr id="2" name="標題 1"/>
+          <p:cNvSpPr>
+            <a:spLocks noGrp="1"/>
+          </p:cNvSpPr>
+          <p:nvPr>
+            <p:ph type="title"/>
+          </p:nvPr>
+        </p:nvSpPr>
+        <p:spPr/>
+        <p:txBody>
+          <a:bodyPr/>
+          <a:lstStyle/>
+          <a:p>
+            <a:r>
+              <a:rPr lang="zh-TW" altLang="en-US" dirty="0" smtClean="0"/>
+              <a:t>何謂</a:t>
+            </a:r>
+            <a:r>
+              <a:rPr lang="zh-TW" altLang="zh-TW" dirty="0"/>
+              <a:t>健壯</a:t>
+            </a:r>
+            <a:r>
+              <a:rPr lang="zh-TW" altLang="zh-TW" dirty="0" smtClean="0"/>
+              <a:t>性</a:t>
+            </a:r>
+            <a:r>
+              <a:rPr lang="en-US" altLang="zh-TW" dirty="0" smtClean="0"/>
+              <a:t>?</a:t>
+            </a:r>
+            <a:endParaRPr lang="zh-TW" altLang="en-US" dirty="0"/>
+          </a:p>
+        </p:txBody>
+      </p:sp>
+      <p:sp>
+        <p:nvSpPr>
+          <p:cNvPr id="3" name="內容版面配置區 2"/>
+          <p:cNvSpPr>
+            <a:spLocks noGrp="1"/>
+          </p:cNvSpPr>
+          <p:nvPr>
+            <p:ph sz="quarter" idx="1"/>
+          </p:nvPr>
+        </p:nvSpPr>
+        <p:spPr>
+          <a:xfrm>
+            <a:off x="827584" y="1844824"/>
+            <a:ext cx="7457256" cy="4125072"/>
+          </a:xfrm>
+        </p:spPr>
+        <p:txBody>
+          <a:bodyPr/>
+          <a:lstStyle/>
+          <a:p>
+            <a:r>
+              <a:rPr lang="zh-TW" altLang="zh-TW" smtClean="0"/>
+              <a:t>撰寫</a:t>
+            </a:r>
+            <a:r>
+              <a:rPr lang="zh-TW" altLang="zh-TW" dirty="0"/>
+              <a:t>程式時考慮到各種不同的使用情況，並事先加以定義處理，避免使用時產生錯誤。</a:t>
+            </a:r>
+          </a:p>
+          <a:p>
+            <a:endParaRPr lang="zh-TW" altLang="en-US" dirty="0"/>
+          </a:p>
+        </p:txBody>
+      </p:sp>
+    </p:spTree>
+    <p:extLst>
+      <p:ext uri="{BB962C8B-B14F-4D97-AF65-F5344CB8AC3E}">
+        <p14:creationId xmlns:p14="http://schemas.microsoft.com/office/powerpoint/2010/main" val="201775851"/>
+      </p:ext>
+    </p:extLst>
+  </p:cSld>
+  <p:clrMapOvr>
+    <a:masterClrMapping/>
+  </p:clrMapOvr>
+</p:sld>
+</file>
+
+<file path=ppt/slides/slide3.xml><?xml version="1.0" encoding="utf-8"?>
+<p:sld xmlns:a="http://schemas.openxmlformats.org/drawingml/2006/main" xmlns:r="http://schemas.openxmlformats.org/officeDocument/2006/relationships" xmlns:p="http://schemas.openxmlformats.org/presentationml/2006/main">
+  <p:cSld>
+    <p:spTree>
+      <p:nvGrpSpPr>
+        <p:cNvPr id="1" name=""/>
+        <p:cNvGrpSpPr/>
+        <p:nvPr/>
+      </p:nvGrpSpPr>
+      <p:grpSpPr>
+        <a:xfrm>
+          <a:off x="0" y="0"/>
+          <a:ext cx="0" cy="0"/>
+          <a:chOff x="0" y="0"/>
+          <a:chExt cx="0" cy="0"/>
+        </a:xfrm>
+      </p:grpSpPr>
+      <p:sp>
+        <p:nvSpPr>
+          <p:cNvPr id="2" name="標題 1"/>
+          <p:cNvSpPr>
+            <a:spLocks noGrp="1"/>
+          </p:cNvSpPr>
+          <p:nvPr>
+            <p:ph type="title"/>
+          </p:nvPr>
+        </p:nvSpPr>
+        <p:spPr/>
+        <p:txBody>
+          <a:bodyPr/>
+          <a:lstStyle/>
+          <a:p>
+            <a:r>
+              <a:rPr lang="zh-TW" altLang="en-US" dirty="0" smtClean="0"/>
+              <a:t>實作方法</a:t>
+            </a:r>
+            <a:endParaRPr lang="zh-TW" altLang="en-US" dirty="0"/>
+          </a:p>
+        </p:txBody>
+      </p:sp>
+      <p:sp>
+        <p:nvSpPr>
+          <p:cNvPr id="3" name="文字版面配置區 2"/>
+          <p:cNvSpPr>
+            <a:spLocks noGrp="1"/>
+          </p:cNvSpPr>
+          <p:nvPr>
+            <p:ph type="body" idx="1"/>
+          </p:nvPr>
+        </p:nvSpPr>
+        <p:spPr/>
+        <p:txBody>
+          <a:bodyPr/>
+          <a:lstStyle/>
+          <a:p>
+            <a:r>
+              <a:rPr lang="en-US" altLang="zh-TW" b="0" dirty="0"/>
+              <a:t>-</a:t>
+            </a:r>
+            <a:r>
+              <a:rPr lang="zh-TW" altLang="en-US" b="0" dirty="0" smtClean="0"/>
+              <a:t>絕對</a:t>
+            </a:r>
+            <a:r>
+              <a:rPr lang="zh-TW" altLang="en-US" b="0" dirty="0"/>
+              <a:t>不要相信使用者送進來的參數值</a:t>
+            </a:r>
+            <a:endParaRPr lang="zh-TW" altLang="en-US" dirty="0"/>
+          </a:p>
+        </p:txBody>
+      </p:sp>
+    </p:spTree>
+    <p:extLst>
+      <p:ext uri="{BB962C8B-B14F-4D97-AF65-F5344CB8AC3E}">
+        <p14:creationId xmlns:p14="http://schemas.microsoft.com/office/powerpoint/2010/main" val="3518483915"/>
+      </p:ext>
+    </p:extLst>
+  </p:cSld>
+  <p:clrMapOvr>
+    <a:masterClrMapping/>
+  </p:clrMapOvr>
+</p:sld>
+</file>
+
+<file path=ppt/slides/slide4.xml><?xml version="1.0" encoding="utf-8"?>
+<p:sld xmlns:a="http://schemas.openxmlformats.org/drawingml/2006/main" xmlns:r="http://schemas.openxmlformats.org/officeDocument/2006/relationships" xmlns:p="http://schemas.openxmlformats.org/presentationml/2006/main">
+  <p:cSld>
+    <p:spTree>
+      <p:nvGrpSpPr>
+        <p:cNvPr id="1" name=""/>
+        <p:cNvGrpSpPr/>
+        <p:nvPr/>
+      </p:nvGrpSpPr>
+      <p:grpSpPr>
+        <a:xfrm>
+          <a:off x="0" y="0"/>
+          <a:ext cx="0" cy="0"/>
+          <a:chOff x="0" y="0"/>
+          <a:chExt cx="0" cy="0"/>
+        </a:xfrm>
+      </p:grpSpPr>
+      <p:sp>
+        <p:nvSpPr>
+          <p:cNvPr id="2" name="標題 1"/>
+          <p:cNvSpPr>
+            <a:spLocks noGrp="1"/>
+          </p:cNvSpPr>
+          <p:nvPr>
+            <p:ph type="title"/>
+          </p:nvPr>
+        </p:nvSpPr>
+        <p:spPr/>
+        <p:txBody>
+          <a:bodyPr/>
+          <a:lstStyle/>
+          <a:p>
+            <a:r>
+              <a:rPr lang="zh-TW" altLang="en-US" dirty="0" smtClean="0"/>
+              <a:t>實作方法五大項</a:t>
+            </a:r>
+            <a:endParaRPr lang="zh-TW" altLang="en-US" dirty="0"/>
+          </a:p>
+        </p:txBody>
+      </p:sp>
+      <p:sp>
+        <p:nvSpPr>
+          <p:cNvPr id="3" name="內容版面配置區 2"/>
+          <p:cNvSpPr>
+            <a:spLocks noGrp="1"/>
+          </p:cNvSpPr>
+          <p:nvPr>
+            <p:ph sz="quarter" idx="1"/>
+          </p:nvPr>
+        </p:nvSpPr>
+        <p:spPr/>
+        <p:txBody>
+          <a:bodyPr/>
+          <a:lstStyle/>
+          <a:p>
+            <a:r>
+              <a:rPr lang="en-US" altLang="zh-TW" b="1" dirty="0"/>
+              <a:t>Type Hint </a:t>
+            </a:r>
+            <a:r>
+              <a:rPr lang="zh-TW" altLang="en-US" b="1" dirty="0"/>
+              <a:t>類別</a:t>
+            </a:r>
+            <a:r>
+              <a:rPr lang="zh-TW" altLang="en-US" b="1" dirty="0" smtClean="0"/>
+              <a:t>檢查</a:t>
+            </a:r>
+            <a:endParaRPr lang="en-US" altLang="zh-TW" b="1" dirty="0" smtClean="0"/>
+          </a:p>
+          <a:p>
+            <a:endParaRPr lang="zh-TW" altLang="en-US" b="1" dirty="0"/>
+          </a:p>
+          <a:p>
+            <a:r>
+              <a:rPr lang="zh-TW" altLang="en-US" b="1" dirty="0"/>
+              <a:t>內部</a:t>
+            </a:r>
+            <a:r>
+              <a:rPr lang="zh-TW" altLang="en-US" b="1" dirty="0" smtClean="0"/>
+              <a:t>檢查</a:t>
+            </a:r>
+            <a:endParaRPr lang="en-US" altLang="zh-TW" b="1" dirty="0" smtClean="0"/>
+          </a:p>
+          <a:p>
+            <a:endParaRPr lang="zh-TW" altLang="en-US" b="1" dirty="0"/>
+          </a:p>
+          <a:p>
+            <a:r>
+              <a:rPr lang="zh-TW" altLang="en-US" b="1" dirty="0"/>
+              <a:t>自動</a:t>
+            </a:r>
+            <a:r>
+              <a:rPr lang="zh-TW" altLang="en-US" b="1" dirty="0" smtClean="0"/>
+              <a:t>轉換</a:t>
+            </a:r>
+            <a:endParaRPr lang="en-US" altLang="zh-TW" b="1" dirty="0" smtClean="0"/>
+          </a:p>
+          <a:p>
+            <a:endParaRPr lang="zh-TW" altLang="en-US" b="1" dirty="0"/>
+          </a:p>
+          <a:p>
+            <a:r>
+              <a:rPr lang="en-US" altLang="zh-TW" b="1" dirty="0"/>
+              <a:t>Fallback </a:t>
+            </a:r>
+            <a:r>
+              <a:rPr lang="zh-TW" altLang="en-US" b="1" dirty="0"/>
+              <a:t>與</a:t>
+            </a:r>
+            <a:r>
+              <a:rPr lang="zh-TW" altLang="en-US" b="1" dirty="0" smtClean="0"/>
+              <a:t>預設值</a:t>
+            </a:r>
+            <a:endParaRPr lang="en-US" altLang="zh-TW" b="1" dirty="0" smtClean="0"/>
+          </a:p>
+          <a:p>
+            <a:endParaRPr lang="zh-TW" altLang="en-US" b="1" dirty="0"/>
+          </a:p>
+          <a:p>
+            <a:r>
+              <a:rPr lang="zh-TW" altLang="en-US" b="1" dirty="0"/>
+              <a:t>黑洞</a:t>
+            </a:r>
+          </a:p>
+          <a:p>
+            <a:endParaRPr lang="zh-TW" altLang="en-US" dirty="0"/>
+          </a:p>
+        </p:txBody>
+      </p:sp>
+    </p:spTree>
+    <p:extLst>
+      <p:ext uri="{BB962C8B-B14F-4D97-AF65-F5344CB8AC3E}">
+        <p14:creationId xmlns:p14="http://schemas.microsoft.com/office/powerpoint/2010/main" val="321282874"/>
+      </p:ext>
+    </p:extLst>
+  </p:cSld>
+  <p:clrMapOvr>
+    <a:masterClrMapping/>
+  </p:clrMapOvr>
+</p:sld>
+</file>
+
+<file path=ppt/slides/slide5.xml><?xml version="1.0" encoding="utf-8"?>
+<p:sld xmlns:a="http://schemas.openxmlformats.org/drawingml/2006/main" xmlns:r="http://schemas.openxmlformats.org/officeDocument/2006/relationships" xmlns:p="http://schemas.openxmlformats.org/presentationml/2006/main">
+  <p:cSld>
+    <p:spTree>
+      <p:nvGrpSpPr>
+        <p:cNvPr id="1" name=""/>
+        <p:cNvGrpSpPr/>
+        <p:nvPr/>
+      </p:nvGrpSpPr>
+      <p:grpSpPr>
+        <a:xfrm>
+          <a:off x="0" y="0"/>
+          <a:ext cx="0" cy="0"/>
+          <a:chOff x="0" y="0"/>
+          <a:chExt cx="0" cy="0"/>
+        </a:xfrm>
+      </p:grpSpPr>
+      <p:sp>
+        <p:nvSpPr>
+          <p:cNvPr id="2" name="標題 1"/>
+          <p:cNvSpPr>
+            <a:spLocks noGrp="1"/>
+          </p:cNvSpPr>
+          <p:nvPr>
+            <p:ph type="title"/>
+          </p:nvPr>
+        </p:nvSpPr>
+        <p:spPr/>
+        <p:txBody>
+          <a:bodyPr/>
+          <a:lstStyle/>
+          <a:p>
+            <a:r>
+              <a:rPr lang="en-US" altLang="zh-TW" b="1" dirty="0"/>
+              <a:t>Type Hint </a:t>
+            </a:r>
+            <a:r>
+              <a:rPr lang="zh-TW" altLang="en-US" b="1" dirty="0"/>
+              <a:t>類別檢查</a:t>
+            </a:r>
+            <a:br>
+              <a:rPr lang="zh-TW" altLang="en-US" b="1" dirty="0"/>
+            </a:br>
+            <a:endParaRPr lang="zh-TW" altLang="en-US" dirty="0"/>
+          </a:p>
+        </p:txBody>
+      </p:sp>
+      <p:sp>
+        <p:nvSpPr>
+          <p:cNvPr id="3" name="內容版面配置區 2"/>
+          <p:cNvSpPr>
+            <a:spLocks noGrp="1"/>
+          </p:cNvSpPr>
+          <p:nvPr>
+            <p:ph sz="quarter" idx="1"/>
+          </p:nvPr>
+        </p:nvSpPr>
+        <p:spPr/>
+        <p:txBody>
+          <a:bodyPr/>
+          <a:lstStyle/>
+          <a:p>
+            <a:r>
+              <a:rPr lang="zh-TW" altLang="en-US" dirty="0"/>
+              <a:t>在 </a:t>
+            </a:r>
+            <a:r>
+              <a:rPr lang="en-US" altLang="zh-TW" dirty="0"/>
+              <a:t>function </a:t>
+            </a:r>
+            <a:r>
+              <a:rPr lang="zh-TW" altLang="en-US" dirty="0"/>
+              <a:t>的參數前宣告</a:t>
+            </a:r>
+            <a:r>
+              <a:rPr lang="zh-TW" altLang="en-US" dirty="0" smtClean="0"/>
+              <a:t>類別</a:t>
+            </a:r>
+            <a:r>
+              <a:rPr lang="zh-TW" altLang="en-US" dirty="0"/>
+              <a:t>。</a:t>
+            </a:r>
+            <a:endParaRPr lang="en-US" altLang="zh-TW" dirty="0" smtClean="0"/>
+          </a:p>
+          <a:p>
+            <a:r>
+              <a:rPr lang="zh-TW" altLang="en-US" dirty="0" smtClean="0"/>
+              <a:t>一旦</a:t>
+            </a:r>
+            <a:r>
+              <a:rPr lang="zh-TW" altLang="en-US" dirty="0"/>
+              <a:t>丟入錯誤變數就直接跳 </a:t>
+            </a:r>
+            <a:r>
+              <a:rPr lang="en-US" altLang="zh-TW" dirty="0"/>
+              <a:t>Error</a:t>
+            </a:r>
+            <a:r>
+              <a:rPr lang="zh-TW" altLang="en-US" dirty="0"/>
+              <a:t>，以免上線後才</a:t>
+            </a:r>
+            <a:r>
+              <a:rPr lang="zh-TW" altLang="en-US" dirty="0" smtClean="0"/>
+              <a:t>出問題</a:t>
+            </a:r>
+            <a:r>
+              <a:rPr lang="zh-TW" altLang="en-US" dirty="0"/>
+              <a:t>。</a:t>
+            </a:r>
+            <a:endParaRPr lang="en-US" altLang="zh-TW" dirty="0" smtClean="0"/>
+          </a:p>
+          <a:p>
+            <a:r>
+              <a:rPr lang="zh-TW" altLang="en-US" dirty="0"/>
+              <a:t>有宣告 </a:t>
+            </a:r>
+            <a:r>
+              <a:rPr lang="en-US" altLang="zh-TW" dirty="0"/>
+              <a:t>class </a:t>
+            </a:r>
+            <a:r>
+              <a:rPr lang="zh-TW" altLang="en-US" dirty="0"/>
+              <a:t>的參數只能允許 </a:t>
+            </a:r>
+            <a:r>
+              <a:rPr lang="en-US" altLang="zh-TW" dirty="0"/>
+              <a:t>null </a:t>
+            </a:r>
+            <a:r>
+              <a:rPr lang="zh-TW" altLang="en-US" dirty="0"/>
+              <a:t>為</a:t>
+            </a:r>
+            <a:r>
+              <a:rPr lang="zh-TW" altLang="en-US" dirty="0" smtClean="0"/>
+              <a:t>預設值</a:t>
+            </a:r>
+            <a:r>
+              <a:rPr lang="zh-TW" altLang="en-US" dirty="0"/>
+              <a:t>。</a:t>
+            </a:r>
+          </a:p>
+        </p:txBody>
+      </p:sp>
+    </p:spTree>
+    <p:extLst>
+      <p:ext uri="{BB962C8B-B14F-4D97-AF65-F5344CB8AC3E}">
+        <p14:creationId xmlns:p14="http://schemas.microsoft.com/office/powerpoint/2010/main" val="3528981434"/>
+      </p:ext>
+    </p:extLst>
+  </p:cSld>
+  <p:clrMapOvr>
+    <a:masterClrMapping/>
+  </p:clrMapOvr>
+</p:sld>
+</file>
+
+<file path=ppt/slides/slide6.xml><?xml version="1.0" encoding="utf-8"?>
+<p:sld xmlns:a="http://schemas.openxmlformats.org/drawingml/2006/main" xmlns:r="http://schemas.openxmlformats.org/officeDocument/2006/relationships" xmlns:p="http://schemas.openxmlformats.org/presentationml/2006/main">
+  <p:cSld>
+    <p:spTree>
+      <p:nvGrpSpPr>
+        <p:cNvPr id="1" name=""/>
+        <p:cNvGrpSpPr/>
+        <p:nvPr/>
+      </p:nvGrpSpPr>
+      <p:grpSpPr>
+        <a:xfrm>
+          <a:off x="0" y="0"/>
+          <a:ext cx="0" cy="0"/>
+          <a:chOff x="0" y="0"/>
+          <a:chExt cx="0" cy="0"/>
+        </a:xfrm>
+      </p:grpSpPr>
+      <p:sp>
+        <p:nvSpPr>
+          <p:cNvPr id="2" name="標題 1"/>
+          <p:cNvSpPr>
+            <a:spLocks noGrp="1"/>
+          </p:cNvSpPr>
+          <p:nvPr>
+            <p:ph type="title"/>
+          </p:nvPr>
+        </p:nvSpPr>
+        <p:spPr/>
+        <p:txBody>
+          <a:bodyPr>
+            <a:normAutofit/>
+          </a:bodyPr>
+          <a:lstStyle/>
+          <a:p>
+            <a:r>
+              <a:rPr lang="zh-TW" altLang="en-US" b="1" dirty="0"/>
+              <a:t>內部</a:t>
+            </a:r>
+            <a:r>
+              <a:rPr lang="zh-TW" altLang="en-US" b="1" dirty="0" smtClean="0"/>
+              <a:t>檢查</a:t>
+            </a:r>
+            <a:r>
+              <a:rPr lang="zh-TW" altLang="en-US" b="1" dirty="0"/>
+              <a:t/>
+            </a:r>
+            <a:br>
+              <a:rPr lang="zh-TW" altLang="en-US" b="1" dirty="0"/>
+            </a:br>
+            <a:endParaRPr lang="zh-TW" altLang="en-US" dirty="0"/>
+          </a:p>
+        </p:txBody>
+      </p:sp>
+      <p:sp>
+        <p:nvSpPr>
+          <p:cNvPr id="3" name="內容版面配置區 2"/>
+          <p:cNvSpPr>
+            <a:spLocks noGrp="1"/>
+          </p:cNvSpPr>
+          <p:nvPr>
+            <p:ph sz="quarter" idx="1"/>
+          </p:nvPr>
+        </p:nvSpPr>
+        <p:spPr/>
+        <p:txBody>
+          <a:bodyPr/>
+          <a:lstStyle/>
+          <a:p>
+            <a:r>
+              <a:rPr lang="zh-TW" altLang="en-US" dirty="0" smtClean="0"/>
+              <a:t> </a:t>
+            </a:r>
+            <a:r>
+              <a:rPr lang="en-US" altLang="zh-TW" dirty="0"/>
+              <a:t>string </a:t>
+            </a:r>
+            <a:r>
+              <a:rPr lang="zh-TW" altLang="en-US" dirty="0"/>
+              <a:t>或 </a:t>
+            </a:r>
+            <a:r>
+              <a:rPr lang="en-US" altLang="zh-TW" dirty="0" err="1"/>
+              <a:t>int</a:t>
+            </a:r>
+            <a:r>
+              <a:rPr lang="en-US" altLang="zh-TW" dirty="0"/>
+              <a:t> </a:t>
+            </a:r>
+            <a:r>
+              <a:rPr lang="zh-TW" altLang="en-US" dirty="0" smtClean="0"/>
+              <a:t>不能</a:t>
+            </a:r>
+            <a:r>
+              <a:rPr lang="zh-TW" altLang="en-US" dirty="0"/>
+              <a:t>在</a:t>
+            </a:r>
+            <a:r>
+              <a:rPr lang="zh-TW" altLang="en-US" dirty="0" smtClean="0"/>
+              <a:t>參數</a:t>
+            </a:r>
+            <a:r>
+              <a:rPr lang="zh-TW" altLang="en-US" dirty="0"/>
+              <a:t>區宣告</a:t>
+            </a:r>
+            <a:r>
+              <a:rPr lang="zh-TW" altLang="en-US" dirty="0" smtClean="0"/>
+              <a:t>的故需在 </a:t>
+            </a:r>
+            <a:r>
+              <a:rPr lang="en-US" altLang="zh-TW" dirty="0"/>
+              <a:t>function </a:t>
+            </a:r>
+            <a:r>
+              <a:rPr lang="zh-TW" altLang="en-US" dirty="0"/>
+              <a:t>開頭做好</a:t>
+            </a:r>
+            <a:r>
+              <a:rPr lang="zh-TW" altLang="en-US" dirty="0" smtClean="0"/>
+              <a:t>檢查。</a:t>
+            </a:r>
+            <a:endParaRPr lang="zh-TW" altLang="en-US" dirty="0"/>
+          </a:p>
+        </p:txBody>
+      </p:sp>
+    </p:spTree>
+    <p:extLst>
+      <p:ext uri="{BB962C8B-B14F-4D97-AF65-F5344CB8AC3E}">
+        <p14:creationId xmlns:p14="http://schemas.microsoft.com/office/powerpoint/2010/main" val="1030831027"/>
+      </p:ext>
+    </p:extLst>
+  </p:cSld>
+  <p:clrMapOvr>
+    <a:masterClrMapping/>
+  </p:clrMapOvr>
+</p:sld>
+</file>
+
+<file path=ppt/slides/slide7.xml><?xml version="1.0" encoding="utf-8"?>
+<p:sld xmlns:a="http://schemas.openxmlformats.org/drawingml/2006/main" xmlns:r="http://schemas.openxmlformats.org/officeDocument/2006/relationships" xmlns:p="http://schemas.openxmlformats.org/presentationml/2006/main">
+  <p:cSld>
+    <p:spTree>
+      <p:nvGrpSpPr>
+        <p:cNvPr id="1" name=""/>
+        <p:cNvGrpSpPr/>
+        <p:nvPr/>
+      </p:nvGrpSpPr>
+      <p:grpSpPr>
+        <a:xfrm>
+          <a:off x="0" y="0"/>
+          <a:ext cx="0" cy="0"/>
+          <a:chOff x="0" y="0"/>
+          <a:chExt cx="0" cy="0"/>
+        </a:xfrm>
+      </p:grpSpPr>
+      <p:sp>
+        <p:nvSpPr>
+          <p:cNvPr id="2" name="標題 1"/>
+          <p:cNvSpPr>
+            <a:spLocks noGrp="1"/>
+          </p:cNvSpPr>
+          <p:nvPr>
+            <p:ph type="title"/>
+          </p:nvPr>
+        </p:nvSpPr>
+        <p:spPr/>
+        <p:txBody>
+          <a:bodyPr>
+            <a:normAutofit/>
+          </a:bodyPr>
+          <a:lstStyle/>
+          <a:p>
+            <a:r>
+              <a:rPr lang="zh-TW" altLang="en-US" b="1" dirty="0"/>
+              <a:t>自動</a:t>
+            </a:r>
+            <a:r>
+              <a:rPr lang="zh-TW" altLang="en-US" b="1" dirty="0" smtClean="0"/>
+              <a:t>轉換</a:t>
+            </a:r>
+            <a:br>
+              <a:rPr lang="zh-TW" altLang="en-US" b="1" dirty="0" smtClean="0"/>
+            </a:br>
+            <a:endParaRPr lang="zh-TW" altLang="en-US" dirty="0"/>
+          </a:p>
+        </p:txBody>
+      </p:sp>
+      <p:sp>
+        <p:nvSpPr>
+          <p:cNvPr id="3" name="內容版面配置區 2"/>
+          <p:cNvSpPr>
+            <a:spLocks noGrp="1"/>
+          </p:cNvSpPr>
+          <p:nvPr>
+            <p:ph sz="quarter" idx="1"/>
+          </p:nvPr>
+        </p:nvSpPr>
+        <p:spPr/>
+        <p:txBody>
+          <a:bodyPr/>
+          <a:lstStyle/>
+          <a:p>
+            <a:endParaRPr lang="zh-TW" altLang="en-US" dirty="0"/>
+          </a:p>
+        </p:txBody>
+      </p:sp>
+    </p:spTree>
+    <p:extLst>
+      <p:ext uri="{BB962C8B-B14F-4D97-AF65-F5344CB8AC3E}">
+        <p14:creationId xmlns:p14="http://schemas.microsoft.com/office/powerpoint/2010/main" val="3758573207"/>
+      </p:ext>
+    </p:extLst>
+  </p:cSld>
+  <p:clrMapOvr>
+    <a:masterClrMapping/>
+  </p:clrMapOvr>
+</p:sld>
+</file>
+
+<file path=ppt/slides/slide8.xml><?xml version="1.0" encoding="utf-8"?>
+<p:sld xmlns:a="http://schemas.openxmlformats.org/drawingml/2006/main" xmlns:r="http://schemas.openxmlformats.org/officeDocument/2006/relationships" xmlns:p="http://schemas.openxmlformats.org/presentationml/2006/main">
+  <p:cSld>
+    <p:spTree>
+      <p:nvGrpSpPr>
+        <p:cNvPr id="1" name=""/>
+        <p:cNvGrpSpPr/>
+        <p:nvPr/>
+      </p:nvGrpSpPr>
+      <p:grpSpPr>
+        <a:xfrm>
+          <a:off x="0" y="0"/>
+          <a:ext cx="0" cy="0"/>
+          <a:chOff x="0" y="0"/>
+          <a:chExt cx="0" cy="0"/>
+        </a:xfrm>
+      </p:grpSpPr>
+      <p:sp>
+        <p:nvSpPr>
+          <p:cNvPr id="2" name="標題 1"/>
+          <p:cNvSpPr>
+            <a:spLocks noGrp="1"/>
+          </p:cNvSpPr>
+          <p:nvPr>
+            <p:ph type="title"/>
+          </p:nvPr>
+        </p:nvSpPr>
+        <p:spPr/>
+        <p:txBody>
+          <a:bodyPr>
+            <a:normAutofit/>
+          </a:bodyPr>
+          <a:lstStyle/>
+          <a:p>
+            <a:r>
+              <a:rPr lang="en-US" altLang="zh-TW" b="1" dirty="0"/>
+              <a:t>Fallback </a:t>
+            </a:r>
+            <a:r>
+              <a:rPr lang="zh-TW" altLang="en-US" b="1" dirty="0"/>
+              <a:t>與</a:t>
+            </a:r>
+            <a:r>
+              <a:rPr lang="zh-TW" altLang="en-US" b="1" dirty="0" smtClean="0"/>
+              <a:t>預設值</a:t>
+            </a:r>
+            <a:br>
+              <a:rPr lang="zh-TW" altLang="en-US" b="1" dirty="0" smtClean="0"/>
+            </a:br>
+            <a:endParaRPr lang="zh-TW" altLang="en-US" dirty="0"/>
+          </a:p>
+        </p:txBody>
+      </p:sp>
+      <p:sp>
+        <p:nvSpPr>
+          <p:cNvPr id="3" name="內容版面配置區 2"/>
+          <p:cNvSpPr>
+            <a:spLocks noGrp="1"/>
+          </p:cNvSpPr>
+          <p:nvPr>
+            <p:ph sz="quarter" idx="1"/>
+          </p:nvPr>
+        </p:nvSpPr>
+        <p:spPr/>
+        <p:txBody>
+          <a:bodyPr/>
+          <a:lstStyle/>
+          <a:p>
+            <a:endParaRPr lang="zh-TW" altLang="en-US" dirty="0"/>
+          </a:p>
+        </p:txBody>
+      </p:sp>
+    </p:spTree>
+    <p:extLst>
+      <p:ext uri="{BB962C8B-B14F-4D97-AF65-F5344CB8AC3E}">
+        <p14:creationId xmlns:p14="http://schemas.microsoft.com/office/powerpoint/2010/main" val="2146177321"/>
+      </p:ext>
+    </p:extLst>
+  </p:cSld>
+  <p:clrMapOvr>
+    <a:masterClrMapping/>
+  </p:clrMapOvr>
+</p:sld>
+</file>
+
+<file path=ppt/slides/slide9.xml><?xml version="1.0" encoding="utf-8"?>
+<p:sld xmlns:a="http://schemas.openxmlformats.org/drawingml/2006/main" xmlns:r="http://schemas.openxmlformats.org/officeDocument/2006/relationships" xmlns:p="http://schemas.openxmlformats.org/presentationml/2006/main">
+  <p:cSld>
+    <p:spTree>
+      <p:nvGrpSpPr>
+        <p:cNvPr id="1" name=""/>
+        <p:cNvGrpSpPr/>
+        <p:nvPr/>
+      </p:nvGrpSpPr>
+      <p:grpSpPr>
+        <a:xfrm>
+          <a:off x="0" y="0"/>
+          <a:ext cx="0" cy="0"/>
+          <a:chOff x="0" y="0"/>
+          <a:chExt cx="0" cy="0"/>
+        </a:xfrm>
+      </p:grpSpPr>
+      <p:sp>
+        <p:nvSpPr>
+          <p:cNvPr id="2" name="標題 1"/>
+          <p:cNvSpPr>
+            <a:spLocks noGrp="1"/>
+          </p:cNvSpPr>
+          <p:nvPr>
+            <p:ph type="title"/>
+          </p:nvPr>
+        </p:nvSpPr>
+        <p:spPr/>
+        <p:txBody>
+          <a:bodyPr>
+            <a:normAutofit/>
+          </a:bodyPr>
+          <a:lstStyle/>
+          <a:p>
+            <a:r>
+              <a:rPr lang="zh-TW" altLang="en-US" b="1" dirty="0" smtClean="0"/>
+              <a:t>黑洞</a:t>
+            </a:r>
+            <a:br>
+              <a:rPr lang="zh-TW" altLang="en-US" b="1" dirty="0" smtClean="0"/>
+            </a:br>
+            <a:endParaRPr lang="zh-TW" altLang="en-US" dirty="0"/>
+          </a:p>
+        </p:txBody>
+      </p:sp>
+      <p:sp>
+        <p:nvSpPr>
+          <p:cNvPr id="3" name="內容版面配置區 2"/>
+          <p:cNvSpPr>
+            <a:spLocks noGrp="1"/>
+          </p:cNvSpPr>
+          <p:nvPr>
+            <p:ph sz="quarter" idx="1"/>
+          </p:nvPr>
+        </p:nvSpPr>
+        <p:spPr/>
+        <p:txBody>
+          <a:bodyPr/>
+          <a:lstStyle/>
+          <a:p>
+            <a:endParaRPr lang="zh-TW" altLang="en-US" dirty="0"/>
+          </a:p>
+        </p:txBody>
+      </p:sp>
+    </p:spTree>
+    <p:extLst>
+      <p:ext uri="{BB962C8B-B14F-4D97-AF65-F5344CB8AC3E}">
+        <p14:creationId xmlns:p14="http://schemas.microsoft.com/office/powerpoint/2010/main" val="571552523"/>
+      </p:ext>
+    </p:extLst>
+  </p:cSld>
+  <p:clrMapOvr>
+    <a:masterClrMapping/>
+  </p:clrMapOvr>
 </p:sld>
 </file>
 
